--- a/PresentationIFTTTGroup9.pptx
+++ b/PresentationIFTTTGroup9.pptx
@@ -12,27 +12,24 @@
     <p:sldId id="260" r:id="rId6"/>
     <p:sldId id="261" r:id="rId7"/>
     <p:sldId id="262" r:id="rId8"/>
+    <p:sldId id="263" r:id="rId9"/>
   </p:sldIdLst>
   <p:sldSz cx="18288000" cy="10287000"/>
   <p:notesSz cx="6858000" cy="9144000"/>
   <p:embeddedFontLst>
     <p:embeddedFont>
       <p:font typeface="Calibri" panose="020F0502020204030204" pitchFamily="34" charset="0"/>
-      <p:regular r:id="rId9"/>
-      <p:bold r:id="rId10"/>
-      <p:italic r:id="rId11"/>
-      <p:boldItalic r:id="rId12"/>
+      <p:regular r:id="rId10"/>
+      <p:bold r:id="rId11"/>
+      <p:italic r:id="rId12"/>
+      <p:boldItalic r:id="rId13"/>
     </p:embeddedFont>
     <p:embeddedFont>
       <p:font typeface="Nourd" panose="020B0604020202020204" charset="0"/>
-      <p:regular r:id="rId13"/>
+      <p:regular r:id="rId14"/>
     </p:embeddedFont>
     <p:embeddedFont>
       <p:font typeface="Nourd Bold" panose="020B0604020202020204" charset="0"/>
-      <p:regular r:id="rId14"/>
-    </p:embeddedFont>
-    <p:embeddedFont>
-      <p:font typeface="Open Sans Bold" panose="020B0604020202020204" charset="0"/>
       <p:regular r:id="rId15"/>
     </p:embeddedFont>
     <p:embeddedFont>
@@ -338,7 +335,7 @@
             <a:fld id="{1D8BD707-D9CF-40AE-B4C6-C98DA3205C09}" type="datetimeFigureOut">
               <a:rPr lang="en-US" smtClean="0"/>
               <a:pPr/>
-              <a:t>11/19/2023</a:t>
+              <a:t>11/20/2023</a:t>
             </a:fld>
             <a:endParaRPr lang="en-US"/>
           </a:p>
@@ -503,7 +500,7 @@
             <a:fld id="{1D8BD707-D9CF-40AE-B4C6-C98DA3205C09}" type="datetimeFigureOut">
               <a:rPr lang="en-US" smtClean="0"/>
               <a:pPr/>
-              <a:t>11/19/2023</a:t>
+              <a:t>11/20/2023</a:t>
             </a:fld>
             <a:endParaRPr lang="en-US"/>
           </a:p>
@@ -678,7 +675,7 @@
             <a:fld id="{1D8BD707-D9CF-40AE-B4C6-C98DA3205C09}" type="datetimeFigureOut">
               <a:rPr lang="en-US" smtClean="0"/>
               <a:pPr/>
-              <a:t>11/19/2023</a:t>
+              <a:t>11/20/2023</a:t>
             </a:fld>
             <a:endParaRPr lang="en-US"/>
           </a:p>
@@ -843,7 +840,7 @@
             <a:fld id="{1D8BD707-D9CF-40AE-B4C6-C98DA3205C09}" type="datetimeFigureOut">
               <a:rPr lang="en-US" smtClean="0"/>
               <a:pPr/>
-              <a:t>11/19/2023</a:t>
+              <a:t>11/20/2023</a:t>
             </a:fld>
             <a:endParaRPr lang="en-US"/>
           </a:p>
@@ -1085,7 +1082,7 @@
             <a:fld id="{1D8BD707-D9CF-40AE-B4C6-C98DA3205C09}" type="datetimeFigureOut">
               <a:rPr lang="en-US" smtClean="0"/>
               <a:pPr/>
-              <a:t>11/19/2023</a:t>
+              <a:t>11/20/2023</a:t>
             </a:fld>
             <a:endParaRPr lang="en-US"/>
           </a:p>
@@ -1367,7 +1364,7 @@
             <a:fld id="{1D8BD707-D9CF-40AE-B4C6-C98DA3205C09}" type="datetimeFigureOut">
               <a:rPr lang="en-US" smtClean="0"/>
               <a:pPr/>
-              <a:t>11/19/2023</a:t>
+              <a:t>11/20/2023</a:t>
             </a:fld>
             <a:endParaRPr lang="en-US"/>
           </a:p>
@@ -1783,7 +1780,7 @@
             <a:fld id="{1D8BD707-D9CF-40AE-B4C6-C98DA3205C09}" type="datetimeFigureOut">
               <a:rPr lang="en-US" smtClean="0"/>
               <a:pPr/>
-              <a:t>11/19/2023</a:t>
+              <a:t>11/20/2023</a:t>
             </a:fld>
             <a:endParaRPr lang="en-US"/>
           </a:p>
@@ -1897,7 +1894,7 @@
             <a:fld id="{1D8BD707-D9CF-40AE-B4C6-C98DA3205C09}" type="datetimeFigureOut">
               <a:rPr lang="en-US" smtClean="0"/>
               <a:pPr/>
-              <a:t>11/19/2023</a:t>
+              <a:t>11/20/2023</a:t>
             </a:fld>
             <a:endParaRPr lang="en-US"/>
           </a:p>
@@ -1989,7 +1986,7 @@
             <a:fld id="{1D8BD707-D9CF-40AE-B4C6-C98DA3205C09}" type="datetimeFigureOut">
               <a:rPr lang="en-US" smtClean="0"/>
               <a:pPr/>
-              <a:t>11/19/2023</a:t>
+              <a:t>11/20/2023</a:t>
             </a:fld>
             <a:endParaRPr lang="en-US"/>
           </a:p>
@@ -2261,7 +2258,7 @@
             <a:fld id="{1D8BD707-D9CF-40AE-B4C6-C98DA3205C09}" type="datetimeFigureOut">
               <a:rPr lang="en-US" smtClean="0"/>
               <a:pPr/>
-              <a:t>11/19/2023</a:t>
+              <a:t>11/20/2023</a:t>
             </a:fld>
             <a:endParaRPr lang="en-US"/>
           </a:p>
@@ -2510,7 +2507,7 @@
             <a:fld id="{1D8BD707-D9CF-40AE-B4C6-C98DA3205C09}" type="datetimeFigureOut">
               <a:rPr lang="en-US" smtClean="0"/>
               <a:pPr/>
-              <a:t>11/19/2023</a:t>
+              <a:t>11/20/2023</a:t>
             </a:fld>
             <a:endParaRPr lang="en-US"/>
           </a:p>
@@ -2718,7 +2715,7 @@
             <a:fld id="{1D8BD707-D9CF-40AE-B4C6-C98DA3205C09}" type="datetimeFigureOut">
               <a:rPr lang="en-US" smtClean="0"/>
               <a:pPr/>
-              <a:t>11/19/2023</a:t>
+              <a:t>11/20/2023</a:t>
             </a:fld>
             <a:endParaRPr lang="en-US"/>
           </a:p>
@@ -3989,8 +3986,8 @@
         </p:nvSpPr>
         <p:spPr>
           <a:xfrm>
-            <a:off x="1028700" y="962025"/>
-            <a:ext cx="11210807" cy="1209670"/>
+            <a:off x="1028700" y="952500"/>
+            <a:ext cx="11210807" cy="1219195"/>
           </a:xfrm>
           <a:prstGeom prst="rect">
             <a:avLst/>
@@ -4012,7 +4009,7 @@
                 <a:solidFill>
                   <a:srgbClr val="000000"/>
                 </a:solidFill>
-                <a:latin typeface="Nourd Bold"/>
+                <a:latin typeface="Rubik Bold"/>
               </a:rPr>
               <a:t>First sprint planning</a:t>
             </a:r>
@@ -4696,20 +4693,14 @@
       </p:grpSp>
       <p:sp>
         <p:nvSpPr>
-          <p:cNvPr id="18" name="TextBox 16">
-            <a:extLst>
-              <a:ext uri="{FF2B5EF4-FFF2-40B4-BE49-F238E27FC236}">
-                <a16:creationId xmlns:a16="http://schemas.microsoft.com/office/drawing/2014/main" id="{4AE7BAE6-7B62-48D8-D1D1-527A0DC877D4}"/>
-              </a:ext>
-            </a:extLst>
-          </p:cNvPr>
+          <p:cNvPr id="16" name="TextBox 16"/>
           <p:cNvSpPr txBox="1"/>
           <p:nvPr/>
         </p:nvSpPr>
         <p:spPr>
           <a:xfrm>
-            <a:off x="1089546" y="2127499"/>
-            <a:ext cx="6225654" cy="874214"/>
+            <a:off x="969232" y="2108449"/>
+            <a:ext cx="6650767" cy="870944"/>
           </a:xfrm>
           <a:prstGeom prst="rect">
             <a:avLst/>
@@ -4734,25 +4725,10 @@
                 <a:solidFill>
                   <a:srgbClr val="000000"/>
                 </a:solidFill>
-                <a:latin typeface="Open Sans Bold"/>
+                <a:latin typeface="Rubik Bold"/>
               </a:rPr>
-              <a:t>Sprint </a:t>
-            </a:r>
-            <a:r>
-              <a:rPr lang="en-US" sz="5199">
-                <a:solidFill>
-                  <a:srgbClr val="000000"/>
-                </a:solidFill>
-                <a:latin typeface="Open Sans Bold"/>
-              </a:rPr>
-              <a:t>velocity:52</a:t>
-            </a:r>
-            <a:endParaRPr lang="en-US" sz="5199" dirty="0">
-              <a:solidFill>
-                <a:srgbClr val="000000"/>
-              </a:solidFill>
-              <a:latin typeface="Open Sans Bold"/>
-            </a:endParaRPr>
+              <a:t>Sprint velocity: 52</a:t>
+            </a:r>
           </a:p>
         </p:txBody>
       </p:sp>
@@ -5496,21 +5472,27 @@
       </p:grpSp>
       <p:sp>
         <p:nvSpPr>
-          <p:cNvPr id="16" name="TextBox 16"/>
+          <p:cNvPr id="17" name="TextBox 16">
+            <a:extLst>
+              <a:ext uri="{FF2B5EF4-FFF2-40B4-BE49-F238E27FC236}">
+                <a16:creationId xmlns:a16="http://schemas.microsoft.com/office/drawing/2014/main" id="{610D1C22-4D40-D1DE-867D-940F03B2CEEC}"/>
+              </a:ext>
+            </a:extLst>
+          </p:cNvPr>
           <p:cNvSpPr txBox="1"/>
           <p:nvPr/>
         </p:nvSpPr>
         <p:spPr>
           <a:xfrm>
             <a:off x="1089546" y="2127499"/>
-            <a:ext cx="5868353" cy="874214"/>
+            <a:ext cx="6378054" cy="887095"/>
           </a:xfrm>
           <a:prstGeom prst="rect">
             <a:avLst/>
           </a:prstGeom>
         </p:spPr>
         <p:txBody>
-          <a:bodyPr lIns="0" tIns="0" rIns="0" bIns="0" rtlCol="0" anchor="t">
+          <a:bodyPr wrap="square" lIns="0" tIns="0" rIns="0" bIns="0" rtlCol="0" anchor="t">
             <a:spAutoFit/>
           </a:bodyPr>
           <a:lstStyle/>
@@ -5528,9 +5510,10 @@
                 <a:solidFill>
                   <a:srgbClr val="000000"/>
                 </a:solidFill>
-                <a:latin typeface="Open Sans Bold"/>
+                <a:latin typeface="Rubik Bold" panose="020B0604020202020204" charset="-79"/>
+                <a:cs typeface="Rubik Bold" panose="020B0604020202020204" charset="-79"/>
               </a:rPr>
-              <a:t>Sprint velocity:52 </a:t>
+              <a:t>Sprint velocity: 52</a:t>
             </a:r>
           </a:p>
         </p:txBody>
@@ -5544,6 +5527,539 @@
 </file>
 
 <file path=ppt/slides/slide5.xml><?xml version="1.0" encoding="utf-8"?>
+<p:sld xmlns:a="http://schemas.openxmlformats.org/drawingml/2006/main" xmlns:r="http://schemas.openxmlformats.org/officeDocument/2006/relationships" xmlns:p="http://schemas.openxmlformats.org/presentationml/2006/main">
+  <p:cSld>
+    <p:spTree>
+      <p:nvGrpSpPr>
+        <p:cNvPr id="1" name=""/>
+        <p:cNvGrpSpPr/>
+        <p:nvPr/>
+      </p:nvGrpSpPr>
+      <p:grpSpPr>
+        <a:xfrm>
+          <a:off x="0" y="0"/>
+          <a:ext cx="0" cy="0"/>
+          <a:chOff x="0" y="0"/>
+          <a:chExt cx="0" cy="0"/>
+        </a:xfrm>
+      </p:grpSpPr>
+      <p:sp>
+        <p:nvSpPr>
+          <p:cNvPr id="2" name="Freeform 2"/>
+          <p:cNvSpPr/>
+          <p:nvPr/>
+        </p:nvSpPr>
+        <p:spPr>
+          <a:xfrm>
+            <a:off x="11790544" y="512921"/>
+            <a:ext cx="1938465" cy="1452086"/>
+          </a:xfrm>
+          <a:custGeom>
+            <a:avLst/>
+            <a:gdLst/>
+            <a:ahLst/>
+            <a:cxnLst/>
+            <a:rect l="l" t="t" r="r" b="b"/>
+            <a:pathLst>
+              <a:path w="1938465" h="1452086">
+                <a:moveTo>
+                  <a:pt x="0" y="0"/>
+                </a:moveTo>
+                <a:lnTo>
+                  <a:pt x="1938465" y="0"/>
+                </a:lnTo>
+                <a:lnTo>
+                  <a:pt x="1938465" y="1452086"/>
+                </a:lnTo>
+                <a:lnTo>
+                  <a:pt x="0" y="1452086"/>
+                </a:lnTo>
+                <a:lnTo>
+                  <a:pt x="0" y="0"/>
+                </a:lnTo>
+                <a:close/>
+              </a:path>
+            </a:pathLst>
+          </a:custGeom>
+          <a:blipFill>
+            <a:blip r:embed="rId2">
+              <a:extLst>
+                <a:ext uri="{96DAC541-7B7A-43D3-8B79-37D633B846F1}">
+                  <asvg:svgBlip xmlns:asvg="http://schemas.microsoft.com/office/drawing/2016/SVG/main" r:embed="rId3"/>
+                </a:ext>
+              </a:extLst>
+            </a:blip>
+            <a:stretch>
+              <a:fillRect/>
+            </a:stretch>
+          </a:blipFill>
+        </p:spPr>
+        <p:txBody>
+          <a:bodyPr/>
+          <a:lstStyle/>
+          <a:p>
+            <a:endParaRPr lang="it-IT"/>
+          </a:p>
+        </p:txBody>
+      </p:sp>
+      <p:sp>
+        <p:nvSpPr>
+          <p:cNvPr id="3" name="TextBox 3"/>
+          <p:cNvSpPr txBox="1"/>
+          <p:nvPr/>
+        </p:nvSpPr>
+        <p:spPr>
+          <a:xfrm>
+            <a:off x="2640433" y="323812"/>
+            <a:ext cx="12759484" cy="2258177"/>
+          </a:xfrm>
+          <a:prstGeom prst="rect">
+            <a:avLst/>
+          </a:prstGeom>
+        </p:spPr>
+        <p:txBody>
+          <a:bodyPr lIns="0" tIns="0" rIns="0" bIns="0" rtlCol="0" anchor="t">
+            <a:spAutoFit/>
+          </a:bodyPr>
+          <a:lstStyle/>
+          <a:p>
+            <a:pPr algn="ctr">
+              <a:lnSpc>
+                <a:spcPts val="8654"/>
+              </a:lnSpc>
+            </a:pPr>
+            <a:r>
+              <a:rPr lang="en-US" sz="8654">
+                <a:solidFill>
+                  <a:srgbClr val="000000"/>
+                </a:solidFill>
+                <a:latin typeface="Rubik Bold"/>
+              </a:rPr>
+              <a:t>DEFINITION OF DONE</a:t>
+            </a:r>
+          </a:p>
+          <a:p>
+            <a:pPr algn="ctr">
+              <a:lnSpc>
+                <a:spcPts val="8654"/>
+              </a:lnSpc>
+            </a:pPr>
+            <a:endParaRPr lang="en-US" sz="8654">
+              <a:solidFill>
+                <a:srgbClr val="000000"/>
+              </a:solidFill>
+              <a:latin typeface="Rubik Bold"/>
+            </a:endParaRPr>
+          </a:p>
+        </p:txBody>
+      </p:sp>
+      <p:sp>
+        <p:nvSpPr>
+          <p:cNvPr id="4" name="TextBox 4"/>
+          <p:cNvSpPr txBox="1"/>
+          <p:nvPr/>
+        </p:nvSpPr>
+        <p:spPr>
+          <a:xfrm>
+            <a:off x="1314450" y="1991608"/>
+            <a:ext cx="16640067" cy="6424202"/>
+          </a:xfrm>
+          <a:prstGeom prst="rect">
+            <a:avLst/>
+          </a:prstGeom>
+        </p:spPr>
+        <p:txBody>
+          <a:bodyPr lIns="0" tIns="0" rIns="0" bIns="0" rtlCol="0" anchor="t">
+            <a:spAutoFit/>
+          </a:bodyPr>
+          <a:lstStyle/>
+          <a:p>
+            <a:pPr>
+              <a:lnSpc>
+                <a:spcPts val="4306"/>
+              </a:lnSpc>
+            </a:pPr>
+            <a:r>
+              <a:rPr lang="en-US" sz="3075">
+                <a:solidFill>
+                  <a:srgbClr val="000000"/>
+                </a:solidFill>
+                <a:latin typeface="Rubik"/>
+              </a:rPr>
+              <a:t>-Code is implemented and reviewed.</a:t>
+            </a:r>
+          </a:p>
+          <a:p>
+            <a:pPr>
+              <a:lnSpc>
+                <a:spcPts val="1722"/>
+              </a:lnSpc>
+            </a:pPr>
+            <a:endParaRPr lang="en-US" sz="3075">
+              <a:solidFill>
+                <a:srgbClr val="000000"/>
+              </a:solidFill>
+              <a:latin typeface="Rubik"/>
+            </a:endParaRPr>
+          </a:p>
+          <a:p>
+            <a:pPr>
+              <a:lnSpc>
+                <a:spcPts val="4306"/>
+              </a:lnSpc>
+            </a:pPr>
+            <a:r>
+              <a:rPr lang="en-US" sz="3075">
+                <a:solidFill>
+                  <a:srgbClr val="000000"/>
+                </a:solidFill>
+                <a:latin typeface="Rubik"/>
+              </a:rPr>
+              <a:t>-Unit tests are written, executed, and passed; </a:t>
+            </a:r>
+          </a:p>
+          <a:p>
+            <a:pPr>
+              <a:lnSpc>
+                <a:spcPts val="1722"/>
+              </a:lnSpc>
+            </a:pPr>
+            <a:endParaRPr lang="en-US" sz="3075">
+              <a:solidFill>
+                <a:srgbClr val="000000"/>
+              </a:solidFill>
+              <a:latin typeface="Rubik"/>
+            </a:endParaRPr>
+          </a:p>
+          <a:p>
+            <a:pPr>
+              <a:lnSpc>
+                <a:spcPts val="4306"/>
+              </a:lnSpc>
+            </a:pPr>
+            <a:r>
+              <a:rPr lang="en-US" sz="3075">
+                <a:solidFill>
+                  <a:srgbClr val="000000"/>
+                </a:solidFill>
+                <a:latin typeface="Rubik"/>
+              </a:rPr>
+              <a:t>- Each criterion accepted at least one associated test case;</a:t>
+            </a:r>
+          </a:p>
+          <a:p>
+            <a:pPr>
+              <a:lnSpc>
+                <a:spcPts val="1722"/>
+              </a:lnSpc>
+            </a:pPr>
+            <a:endParaRPr lang="en-US" sz="3075">
+              <a:solidFill>
+                <a:srgbClr val="000000"/>
+              </a:solidFill>
+              <a:latin typeface="Rubik"/>
+            </a:endParaRPr>
+          </a:p>
+          <a:p>
+            <a:pPr>
+              <a:lnSpc>
+                <a:spcPts val="4306"/>
+              </a:lnSpc>
+            </a:pPr>
+            <a:r>
+              <a:rPr lang="en-US" sz="3075">
+                <a:solidFill>
+                  <a:srgbClr val="000000"/>
+                </a:solidFill>
+                <a:latin typeface="Rubik"/>
+              </a:rPr>
+              <a:t>-The user story has been peer-reviewed.</a:t>
+            </a:r>
+          </a:p>
+          <a:p>
+            <a:pPr>
+              <a:lnSpc>
+                <a:spcPts val="1722"/>
+              </a:lnSpc>
+            </a:pPr>
+            <a:endParaRPr lang="en-US" sz="3075">
+              <a:solidFill>
+                <a:srgbClr val="000000"/>
+              </a:solidFill>
+              <a:latin typeface="Rubik"/>
+            </a:endParaRPr>
+          </a:p>
+          <a:p>
+            <a:pPr>
+              <a:lnSpc>
+                <a:spcPts val="4306"/>
+              </a:lnSpc>
+            </a:pPr>
+            <a:r>
+              <a:rPr lang="en-US" sz="3075">
+                <a:solidFill>
+                  <a:srgbClr val="000000"/>
+                </a:solidFill>
+                <a:latin typeface="Rubik"/>
+              </a:rPr>
+              <a:t>-User interface is updated to accommodate new features.</a:t>
+            </a:r>
+          </a:p>
+          <a:p>
+            <a:pPr>
+              <a:lnSpc>
+                <a:spcPts val="1722"/>
+              </a:lnSpc>
+            </a:pPr>
+            <a:endParaRPr lang="en-US" sz="3075">
+              <a:solidFill>
+                <a:srgbClr val="000000"/>
+              </a:solidFill>
+              <a:latin typeface="Rubik"/>
+            </a:endParaRPr>
+          </a:p>
+          <a:p>
+            <a:pPr>
+              <a:lnSpc>
+                <a:spcPts val="4306"/>
+              </a:lnSpc>
+            </a:pPr>
+            <a:r>
+              <a:rPr lang="en-US" sz="3075">
+                <a:solidFill>
+                  <a:srgbClr val="000000"/>
+                </a:solidFill>
+                <a:latin typeface="Rubik"/>
+              </a:rPr>
+              <a:t>-Documentation is updated to reflect changes.</a:t>
+            </a:r>
+          </a:p>
+          <a:p>
+            <a:pPr>
+              <a:lnSpc>
+                <a:spcPts val="1722"/>
+              </a:lnSpc>
+            </a:pPr>
+            <a:endParaRPr lang="en-US" sz="3075">
+              <a:solidFill>
+                <a:srgbClr val="000000"/>
+              </a:solidFill>
+              <a:latin typeface="Rubik"/>
+            </a:endParaRPr>
+          </a:p>
+          <a:p>
+            <a:pPr>
+              <a:lnSpc>
+                <a:spcPts val="4306"/>
+              </a:lnSpc>
+            </a:pPr>
+            <a:r>
+              <a:rPr lang="en-US" sz="3075">
+                <a:solidFill>
+                  <a:srgbClr val="000000"/>
+                </a:solidFill>
+                <a:latin typeface="Rubik"/>
+              </a:rPr>
+              <a:t>-Stress and load tests were performed to evaluate the system's ability to handle high loads.</a:t>
+            </a:r>
+          </a:p>
+          <a:p>
+            <a:pPr>
+              <a:lnSpc>
+                <a:spcPts val="1722"/>
+              </a:lnSpc>
+            </a:pPr>
+            <a:endParaRPr lang="en-US" sz="3075">
+              <a:solidFill>
+                <a:srgbClr val="000000"/>
+              </a:solidFill>
+              <a:latin typeface="Rubik"/>
+            </a:endParaRPr>
+          </a:p>
+          <a:p>
+            <a:pPr>
+              <a:lnSpc>
+                <a:spcPts val="4306"/>
+              </a:lnSpc>
+            </a:pPr>
+            <a:r>
+              <a:rPr lang="en-US" sz="3075">
+                <a:solidFill>
+                  <a:srgbClr val="000000"/>
+                </a:solidFill>
+                <a:latin typeface="Rubik"/>
+              </a:rPr>
+              <a:t>-All team members accept the implemented features.</a:t>
+            </a:r>
+          </a:p>
+          <a:p>
+            <a:pPr marL="0" lvl="0" indent="0">
+              <a:lnSpc>
+                <a:spcPts val="4306"/>
+              </a:lnSpc>
+              <a:spcBef>
+                <a:spcPct val="0"/>
+              </a:spcBef>
+            </a:pPr>
+            <a:endParaRPr lang="en-US" sz="3075">
+              <a:solidFill>
+                <a:srgbClr val="000000"/>
+              </a:solidFill>
+              <a:latin typeface="Rubik"/>
+            </a:endParaRPr>
+          </a:p>
+        </p:txBody>
+      </p:sp>
+      <p:grpSp>
+        <p:nvGrpSpPr>
+          <p:cNvPr id="5" name="Group 5"/>
+          <p:cNvGrpSpPr/>
+          <p:nvPr/>
+        </p:nvGrpSpPr>
+        <p:grpSpPr>
+          <a:xfrm>
+            <a:off x="443046" y="592639"/>
+            <a:ext cx="3385233" cy="472748"/>
+            <a:chOff x="0" y="0"/>
+            <a:chExt cx="4513644" cy="630331"/>
+          </a:xfrm>
+        </p:grpSpPr>
+        <p:sp>
+          <p:nvSpPr>
+            <p:cNvPr id="6" name="Freeform 6"/>
+            <p:cNvSpPr/>
+            <p:nvPr/>
+          </p:nvSpPr>
+          <p:spPr>
+            <a:xfrm>
+              <a:off x="0" y="0"/>
+              <a:ext cx="630331" cy="630331"/>
+            </a:xfrm>
+            <a:custGeom>
+              <a:avLst/>
+              <a:gdLst/>
+              <a:ahLst/>
+              <a:cxnLst/>
+              <a:rect l="l" t="t" r="r" b="b"/>
+              <a:pathLst>
+                <a:path w="630331" h="630331">
+                  <a:moveTo>
+                    <a:pt x="0" y="0"/>
+                  </a:moveTo>
+                  <a:lnTo>
+                    <a:pt x="630331" y="0"/>
+                  </a:lnTo>
+                  <a:lnTo>
+                    <a:pt x="630331" y="630331"/>
+                  </a:lnTo>
+                  <a:lnTo>
+                    <a:pt x="0" y="630331"/>
+                  </a:lnTo>
+                  <a:lnTo>
+                    <a:pt x="0" y="0"/>
+                  </a:lnTo>
+                  <a:close/>
+                </a:path>
+              </a:pathLst>
+            </a:custGeom>
+            <a:blipFill>
+              <a:blip r:embed="rId4">
+                <a:extLst>
+                  <a:ext uri="{96DAC541-7B7A-43D3-8B79-37D633B846F1}">
+                    <asvg:svgBlip xmlns:asvg="http://schemas.microsoft.com/office/drawing/2016/SVG/main" r:embed="rId5"/>
+                  </a:ext>
+                </a:extLst>
+              </a:blip>
+              <a:stretch>
+                <a:fillRect/>
+              </a:stretch>
+            </a:blipFill>
+          </p:spPr>
+          <p:txBody>
+            <a:bodyPr/>
+            <a:lstStyle/>
+            <a:p>
+              <a:endParaRPr lang="it-IT"/>
+            </a:p>
+          </p:txBody>
+        </p:sp>
+        <p:sp>
+          <p:nvSpPr>
+            <p:cNvPr id="7" name="TextBox 7"/>
+            <p:cNvSpPr txBox="1"/>
+            <p:nvPr/>
+          </p:nvSpPr>
+          <p:spPr>
+            <a:xfrm>
+              <a:off x="1203386" y="139079"/>
+              <a:ext cx="3310258" cy="333123"/>
+            </a:xfrm>
+            <a:prstGeom prst="rect">
+              <a:avLst/>
+            </a:prstGeom>
+          </p:spPr>
+          <p:txBody>
+            <a:bodyPr lIns="0" tIns="0" rIns="0" bIns="0" rtlCol="0" anchor="t">
+              <a:spAutoFit/>
+            </a:bodyPr>
+            <a:lstStyle/>
+            <a:p>
+              <a:pPr>
+                <a:lnSpc>
+                  <a:spcPts val="2241"/>
+                </a:lnSpc>
+                <a:spcBef>
+                  <a:spcPct val="0"/>
+                </a:spcBef>
+              </a:pPr>
+              <a:r>
+                <a:rPr lang="en-US" sz="1601">
+                  <a:solidFill>
+                    <a:srgbClr val="000000"/>
+                  </a:solidFill>
+                  <a:latin typeface="Nourd"/>
+                </a:rPr>
+                <a:t>GROUP 9</a:t>
+              </a:r>
+            </a:p>
+          </p:txBody>
+        </p:sp>
+      </p:grpSp>
+      <p:sp>
+        <p:nvSpPr>
+          <p:cNvPr id="8" name="AutoShape 8"/>
+          <p:cNvSpPr/>
+          <p:nvPr/>
+        </p:nvSpPr>
+        <p:spPr>
+          <a:xfrm>
+            <a:off x="0" y="8997003"/>
+            <a:ext cx="18288000" cy="1371600"/>
+          </a:xfrm>
+          <a:prstGeom prst="rect">
+            <a:avLst/>
+          </a:prstGeom>
+          <a:solidFill>
+            <a:srgbClr val="F990D3"/>
+          </a:solidFill>
+        </p:spPr>
+        <p:txBody>
+          <a:bodyPr/>
+          <a:lstStyle/>
+          <a:p>
+            <a:endParaRPr lang="it-IT"/>
+          </a:p>
+        </p:txBody>
+      </p:sp>
+    </p:spTree>
+  </p:cSld>
+  <p:clrMapOvr>
+    <a:masterClrMapping/>
+  </p:clrMapOvr>
+</p:sld>
+</file>
+
+<file path=ppt/slides/slide6.xml><?xml version="1.0" encoding="utf-8"?>
 <p:sld xmlns:a="http://schemas.openxmlformats.org/drawingml/2006/main" xmlns:r="http://schemas.openxmlformats.org/officeDocument/2006/relationships" xmlns:p="http://schemas.openxmlformats.org/presentationml/2006/main">
   <p:cSld>
     <p:spTree>
@@ -6048,7 +6564,7 @@
 </p:sld>
 </file>
 
-<file path=ppt/slides/slide6.xml><?xml version="1.0" encoding="utf-8"?>
+<file path=ppt/slides/slide7.xml><?xml version="1.0" encoding="utf-8"?>
 <p:sld xmlns:a="http://schemas.openxmlformats.org/drawingml/2006/main" xmlns:r="http://schemas.openxmlformats.org/officeDocument/2006/relationships" xmlns:p="http://schemas.openxmlformats.org/presentationml/2006/main">
   <p:cSld>
     <p:spTree>
@@ -6279,7 +6795,7 @@
 </p:sld>
 </file>
 
-<file path=ppt/slides/slide7.xml><?xml version="1.0" encoding="utf-8"?>
+<file path=ppt/slides/slide8.xml><?xml version="1.0" encoding="utf-8"?>
 <p:sld xmlns:a="http://schemas.openxmlformats.org/drawingml/2006/main" xmlns:r="http://schemas.openxmlformats.org/officeDocument/2006/relationships" xmlns:p="http://schemas.openxmlformats.org/presentationml/2006/main">
   <p:cSld>
     <p:spTree>
